--- a/pitch-presentation.pptx
+++ b/pitch-presentation.pptx
@@ -36,7 +36,7 @@
             <a:spLocks noGrp="1"/>
           </p:cNvSpPr>
           <p:nvPr>
-            <p:ph type="ftr" idx="2"/>
+            <p:ph type="ftr" idx="1"/>
           </p:nvPr>
         </p:nvSpPr>
         <p:spPr/>
@@ -56,14 +56,14 @@
             <a:spLocks noGrp="1"/>
           </p:cNvSpPr>
           <p:nvPr>
-            <p:ph type="sldNum" idx="3"/>
+            <p:ph type="sldNum" idx="2"/>
           </p:nvPr>
         </p:nvSpPr>
         <p:spPr/>
         <p:txBody>
           <a:bodyPr/>
           <a:p>
-            <a:fld id="{5C1B3603-57D6-4CBE-A74D-4EE6045EE457}" type="slidenum">
+            <a:fld id="{57BE2602-C755-41CD-958E-76915EE43976}" type="slidenum">
               <a:t>&lt;#&gt;</a:t>
             </a:fld>
           </a:p>
@@ -76,7 +76,7 @@
             <a:spLocks noGrp="1"/>
           </p:cNvSpPr>
           <p:nvPr>
-            <p:ph type="dt" idx="1"/>
+            <p:ph type="dt" idx="3"/>
           </p:nvPr>
         </p:nvSpPr>
         <p:spPr/>
@@ -124,8 +124,8 @@
         </p:nvSpPr>
         <p:spPr>
           <a:xfrm>
-            <a:off x="3240000" y="450000"/>
-            <a:ext cx="3600000" cy="900000"/>
+            <a:off x="3240000" y="274680"/>
+            <a:ext cx="3599640" cy="1250280"/>
           </a:xfrm>
           <a:prstGeom prst="rect">
             <a:avLst/>
@@ -137,15 +137,15 @@
         </p:spPr>
         <p:txBody>
           <a:bodyPr lIns="0" rIns="0" tIns="0" bIns="0" anchor="ctr">
-            <a:normAutofit/>
+            <a:noAutofit/>
           </a:bodyPr>
           <a:p>
             <a:pPr indent="0" algn="ctr">
               <a:buNone/>
             </a:pPr>
-            <a:endParaRPr b="1" lang="en-GB" sz="3300" spc="-1" strike="noStrike">
-              <a:solidFill>
-                <a:srgbClr val="ffffff"/>
+            <a:endParaRPr b="0" lang="en-GB" sz="4400" spc="-1" strike="noStrike">
+              <a:solidFill>
+                <a:srgbClr val="000000"/>
               </a:solidFill>
               <a:latin typeface="Arial"/>
             </a:endParaRPr>
@@ -165,7 +165,7 @@
         <p:spPr>
           <a:xfrm>
             <a:off x="900000" y="1440000"/>
-            <a:ext cx="8280000" cy="1716840"/>
+            <a:ext cx="8279640" cy="1716840"/>
           </a:xfrm>
           <a:prstGeom prst="rect">
             <a:avLst/>
@@ -181,12 +181,12 @@
           </a:bodyPr>
           <a:p>
             <a:pPr indent="0">
-              <a:spcAft>
-                <a:spcPts val="1063"/>
-              </a:spcAft>
+              <a:spcBef>
+                <a:spcPts val="1417"/>
+              </a:spcBef>
               <a:buNone/>
             </a:pPr>
-            <a:endParaRPr b="0" lang="en-GB" sz="2400" spc="-1" strike="noStrike">
+            <a:endParaRPr b="0" lang="en-GB" sz="3200" spc="-1" strike="noStrike">
               <a:solidFill>
                 <a:srgbClr val="000000"/>
               </a:solidFill>
@@ -208,7 +208,7 @@
         <p:spPr>
           <a:xfrm>
             <a:off x="900000" y="3320280"/>
-            <a:ext cx="8280000" cy="1716840"/>
+            <a:ext cx="8279640" cy="1716840"/>
           </a:xfrm>
           <a:prstGeom prst="rect">
             <a:avLst/>
@@ -224,12 +224,12 @@
           </a:bodyPr>
           <a:p>
             <a:pPr indent="0">
-              <a:spcAft>
-                <a:spcPts val="1063"/>
-              </a:spcAft>
+              <a:spcBef>
+                <a:spcPts val="1417"/>
+              </a:spcBef>
               <a:buNone/>
             </a:pPr>
-            <a:endParaRPr b="0" lang="en-GB" sz="2400" spc="-1" strike="noStrike">
+            <a:endParaRPr b="0" lang="en-GB" sz="3200" spc="-1" strike="noStrike">
               <a:solidFill>
                 <a:srgbClr val="000000"/>
               </a:solidFill>
@@ -245,7 +245,7 @@
             <a:spLocks noGrp="1"/>
           </p:cNvSpPr>
           <p:nvPr>
-            <p:ph type="ftr" idx="2"/>
+            <p:ph type="ftr" idx="1"/>
           </p:nvPr>
         </p:nvSpPr>
         <p:spPr/>
@@ -265,14 +265,14 @@
             <a:spLocks noGrp="1"/>
           </p:cNvSpPr>
           <p:nvPr>
-            <p:ph type="sldNum" idx="3"/>
+            <p:ph type="sldNum" idx="2"/>
           </p:nvPr>
         </p:nvSpPr>
         <p:spPr/>
         <p:txBody>
           <a:bodyPr/>
           <a:p>
-            <a:fld id="{9C9591DF-DCD0-41D8-B001-35823DE3540D}" type="slidenum">
+            <a:fld id="{B569EB62-68A4-4421-90F2-E5B44EA3E9D1}" type="slidenum">
               <a:t>&lt;#&gt;</a:t>
             </a:fld>
           </a:p>
@@ -285,7 +285,7 @@
             <a:spLocks noGrp="1"/>
           </p:cNvSpPr>
           <p:nvPr>
-            <p:ph type="dt" idx="1"/>
+            <p:ph type="dt" idx="3"/>
           </p:nvPr>
         </p:nvSpPr>
         <p:spPr/>
@@ -333,8 +333,8 @@
         </p:nvSpPr>
         <p:spPr>
           <a:xfrm>
-            <a:off x="3240000" y="450000"/>
-            <a:ext cx="3600000" cy="900000"/>
+            <a:off x="3240000" y="274680"/>
+            <a:ext cx="3599640" cy="1250280"/>
           </a:xfrm>
           <a:prstGeom prst="rect">
             <a:avLst/>
@@ -346,15 +346,15 @@
         </p:spPr>
         <p:txBody>
           <a:bodyPr lIns="0" rIns="0" tIns="0" bIns="0" anchor="ctr">
-            <a:normAutofit/>
+            <a:noAutofit/>
           </a:bodyPr>
           <a:p>
             <a:pPr indent="0" algn="ctr">
               <a:buNone/>
             </a:pPr>
-            <a:endParaRPr b="1" lang="en-GB" sz="3300" spc="-1" strike="noStrike">
-              <a:solidFill>
-                <a:srgbClr val="ffffff"/>
+            <a:endParaRPr b="0" lang="en-GB" sz="4400" spc="-1" strike="noStrike">
+              <a:solidFill>
+                <a:srgbClr val="000000"/>
               </a:solidFill>
               <a:latin typeface="Arial"/>
             </a:endParaRPr>
@@ -390,12 +390,12 @@
           </a:bodyPr>
           <a:p>
             <a:pPr indent="0">
-              <a:spcAft>
-                <a:spcPts val="1063"/>
-              </a:spcAft>
+              <a:spcBef>
+                <a:spcPts val="1417"/>
+              </a:spcBef>
               <a:buNone/>
             </a:pPr>
-            <a:endParaRPr b="0" lang="en-GB" sz="2400" spc="-1" strike="noStrike">
+            <a:endParaRPr b="0" lang="en-GB" sz="3200" spc="-1" strike="noStrike">
               <a:solidFill>
                 <a:srgbClr val="000000"/>
               </a:solidFill>
@@ -433,12 +433,12 @@
           </a:bodyPr>
           <a:p>
             <a:pPr indent="0">
-              <a:spcAft>
-                <a:spcPts val="1063"/>
-              </a:spcAft>
+              <a:spcBef>
+                <a:spcPts val="1417"/>
+              </a:spcBef>
               <a:buNone/>
             </a:pPr>
-            <a:endParaRPr b="0" lang="en-GB" sz="2400" spc="-1" strike="noStrike">
+            <a:endParaRPr b="0" lang="en-GB" sz="3200" spc="-1" strike="noStrike">
               <a:solidFill>
                 <a:srgbClr val="000000"/>
               </a:solidFill>
@@ -476,12 +476,12 @@
           </a:bodyPr>
           <a:p>
             <a:pPr indent="0">
-              <a:spcAft>
-                <a:spcPts val="1063"/>
-              </a:spcAft>
+              <a:spcBef>
+                <a:spcPts val="1417"/>
+              </a:spcBef>
               <a:buNone/>
             </a:pPr>
-            <a:endParaRPr b="0" lang="en-GB" sz="2400" spc="-1" strike="noStrike">
+            <a:endParaRPr b="0" lang="en-GB" sz="3200" spc="-1" strike="noStrike">
               <a:solidFill>
                 <a:srgbClr val="000000"/>
               </a:solidFill>
@@ -519,12 +519,12 @@
           </a:bodyPr>
           <a:p>
             <a:pPr indent="0">
-              <a:spcAft>
-                <a:spcPts val="1063"/>
-              </a:spcAft>
+              <a:spcBef>
+                <a:spcPts val="1417"/>
+              </a:spcBef>
               <a:buNone/>
             </a:pPr>
-            <a:endParaRPr b="0" lang="en-GB" sz="2400" spc="-1" strike="noStrike">
+            <a:endParaRPr b="0" lang="en-GB" sz="3200" spc="-1" strike="noStrike">
               <a:solidFill>
                 <a:srgbClr val="000000"/>
               </a:solidFill>
@@ -540,7 +540,7 @@
             <a:spLocks noGrp="1"/>
           </p:cNvSpPr>
           <p:nvPr>
-            <p:ph type="ftr" idx="2"/>
+            <p:ph type="ftr" idx="1"/>
           </p:nvPr>
         </p:nvSpPr>
         <p:spPr/>
@@ -560,14 +560,14 @@
             <a:spLocks noGrp="1"/>
           </p:cNvSpPr>
           <p:nvPr>
-            <p:ph type="sldNum" idx="3"/>
+            <p:ph type="sldNum" idx="2"/>
           </p:nvPr>
         </p:nvSpPr>
         <p:spPr/>
         <p:txBody>
           <a:bodyPr/>
           <a:p>
-            <a:fld id="{3DA3477D-FB69-47E1-A89C-98E0B79C1D77}" type="slidenum">
+            <a:fld id="{A3D79605-7B40-412E-AA94-2809FBF68D01}" type="slidenum">
               <a:t>&lt;#&gt;</a:t>
             </a:fld>
           </a:p>
@@ -580,7 +580,7 @@
             <a:spLocks noGrp="1"/>
           </p:cNvSpPr>
           <p:nvPr>
-            <p:ph type="dt" idx="1"/>
+            <p:ph type="dt" idx="3"/>
           </p:nvPr>
         </p:nvSpPr>
         <p:spPr/>
@@ -628,8 +628,8 @@
         </p:nvSpPr>
         <p:spPr>
           <a:xfrm>
-            <a:off x="3240000" y="450000"/>
-            <a:ext cx="3600000" cy="900000"/>
+            <a:off x="3240000" y="274680"/>
+            <a:ext cx="3599640" cy="1250280"/>
           </a:xfrm>
           <a:prstGeom prst="rect">
             <a:avLst/>
@@ -641,15 +641,15 @@
         </p:spPr>
         <p:txBody>
           <a:bodyPr lIns="0" rIns="0" tIns="0" bIns="0" anchor="ctr">
-            <a:normAutofit/>
+            <a:noAutofit/>
           </a:bodyPr>
           <a:p>
             <a:pPr indent="0" algn="ctr">
               <a:buNone/>
             </a:pPr>
-            <a:endParaRPr b="1" lang="en-GB" sz="3300" spc="-1" strike="noStrike">
-              <a:solidFill>
-                <a:srgbClr val="ffffff"/>
+            <a:endParaRPr b="0" lang="en-GB" sz="4400" spc="-1" strike="noStrike">
+              <a:solidFill>
+                <a:srgbClr val="000000"/>
               </a:solidFill>
               <a:latin typeface="Arial"/>
             </a:endParaRPr>
@@ -685,12 +685,12 @@
           </a:bodyPr>
           <a:p>
             <a:pPr indent="0">
-              <a:spcAft>
-                <a:spcPts val="1063"/>
-              </a:spcAft>
+              <a:spcBef>
+                <a:spcPts val="1417"/>
+              </a:spcBef>
               <a:buNone/>
             </a:pPr>
-            <a:endParaRPr b="0" lang="en-GB" sz="2400" spc="-1" strike="noStrike">
+            <a:endParaRPr b="0" lang="en-GB" sz="3200" spc="-1" strike="noStrike">
               <a:solidFill>
                 <a:srgbClr val="000000"/>
               </a:solidFill>
@@ -728,12 +728,12 @@
           </a:bodyPr>
           <a:p>
             <a:pPr indent="0">
-              <a:spcAft>
-                <a:spcPts val="1063"/>
-              </a:spcAft>
+              <a:spcBef>
+                <a:spcPts val="1417"/>
+              </a:spcBef>
               <a:buNone/>
             </a:pPr>
-            <a:endParaRPr b="0" lang="en-GB" sz="2400" spc="-1" strike="noStrike">
+            <a:endParaRPr b="0" lang="en-GB" sz="3200" spc="-1" strike="noStrike">
               <a:solidFill>
                 <a:srgbClr val="000000"/>
               </a:solidFill>
@@ -771,12 +771,12 @@
           </a:bodyPr>
           <a:p>
             <a:pPr indent="0">
-              <a:spcAft>
-                <a:spcPts val="1063"/>
-              </a:spcAft>
+              <a:spcBef>
+                <a:spcPts val="1417"/>
+              </a:spcBef>
               <a:buNone/>
             </a:pPr>
-            <a:endParaRPr b="0" lang="en-GB" sz="2400" spc="-1" strike="noStrike">
+            <a:endParaRPr b="0" lang="en-GB" sz="3200" spc="-1" strike="noStrike">
               <a:solidFill>
                 <a:srgbClr val="000000"/>
               </a:solidFill>
@@ -814,12 +814,12 @@
           </a:bodyPr>
           <a:p>
             <a:pPr indent="0">
-              <a:spcAft>
-                <a:spcPts val="1063"/>
-              </a:spcAft>
+              <a:spcBef>
+                <a:spcPts val="1417"/>
+              </a:spcBef>
               <a:buNone/>
             </a:pPr>
-            <a:endParaRPr b="0" lang="en-GB" sz="2400" spc="-1" strike="noStrike">
+            <a:endParaRPr b="0" lang="en-GB" sz="3200" spc="-1" strike="noStrike">
               <a:solidFill>
                 <a:srgbClr val="000000"/>
               </a:solidFill>
@@ -857,12 +857,12 @@
           </a:bodyPr>
           <a:p>
             <a:pPr indent="0">
-              <a:spcAft>
-                <a:spcPts val="1063"/>
-              </a:spcAft>
+              <a:spcBef>
+                <a:spcPts val="1417"/>
+              </a:spcBef>
               <a:buNone/>
             </a:pPr>
-            <a:endParaRPr b="0" lang="en-GB" sz="2400" spc="-1" strike="noStrike">
+            <a:endParaRPr b="0" lang="en-GB" sz="3200" spc="-1" strike="noStrike">
               <a:solidFill>
                 <a:srgbClr val="000000"/>
               </a:solidFill>
@@ -900,12 +900,12 @@
           </a:bodyPr>
           <a:p>
             <a:pPr indent="0">
-              <a:spcAft>
-                <a:spcPts val="1063"/>
-              </a:spcAft>
+              <a:spcBef>
+                <a:spcPts val="1417"/>
+              </a:spcBef>
               <a:buNone/>
             </a:pPr>
-            <a:endParaRPr b="0" lang="en-GB" sz="2400" spc="-1" strike="noStrike">
+            <a:endParaRPr b="0" lang="en-GB" sz="3200" spc="-1" strike="noStrike">
               <a:solidFill>
                 <a:srgbClr val="000000"/>
               </a:solidFill>
@@ -921,7 +921,7 @@
             <a:spLocks noGrp="1"/>
           </p:cNvSpPr>
           <p:nvPr>
-            <p:ph type="ftr" idx="2"/>
+            <p:ph type="ftr" idx="1"/>
           </p:nvPr>
         </p:nvSpPr>
         <p:spPr/>
@@ -941,14 +941,14 @@
             <a:spLocks noGrp="1"/>
           </p:cNvSpPr>
           <p:nvPr>
-            <p:ph type="sldNum" idx="3"/>
+            <p:ph type="sldNum" idx="2"/>
           </p:nvPr>
         </p:nvSpPr>
         <p:spPr/>
         <p:txBody>
           <a:bodyPr/>
           <a:p>
-            <a:fld id="{F1894056-CFB3-4902-BF53-7D2739DAF085}" type="slidenum">
+            <a:fld id="{233B672F-0133-4BAB-9FD1-85062D4FABB1}" type="slidenum">
               <a:t>&lt;#&gt;</a:t>
             </a:fld>
           </a:p>
@@ -961,7 +961,7 @@
             <a:spLocks noGrp="1"/>
           </p:cNvSpPr>
           <p:nvPr>
-            <p:ph type="dt" idx="1"/>
+            <p:ph type="dt" idx="3"/>
           </p:nvPr>
         </p:nvSpPr>
         <p:spPr/>
@@ -1009,8 +1009,8 @@
         </p:nvSpPr>
         <p:spPr>
           <a:xfrm>
-            <a:off x="3240000" y="450000"/>
-            <a:ext cx="3600000" cy="900000"/>
+            <a:off x="3240000" y="274680"/>
+            <a:ext cx="3599640" cy="1250280"/>
           </a:xfrm>
           <a:prstGeom prst="rect">
             <a:avLst/>
@@ -1022,15 +1022,15 @@
         </p:spPr>
         <p:txBody>
           <a:bodyPr lIns="0" rIns="0" tIns="0" bIns="0" anchor="ctr">
-            <a:normAutofit/>
+            <a:noAutofit/>
           </a:bodyPr>
           <a:p>
             <a:pPr indent="0" algn="ctr">
               <a:buNone/>
             </a:pPr>
-            <a:endParaRPr b="1" lang="en-GB" sz="3300" spc="-1" strike="noStrike">
-              <a:solidFill>
-                <a:srgbClr val="ffffff"/>
+            <a:endParaRPr b="0" lang="en-GB" sz="4400" spc="-1" strike="noStrike">
+              <a:solidFill>
+                <a:srgbClr val="000000"/>
               </a:solidFill>
               <a:latin typeface="Arial"/>
             </a:endParaRPr>
@@ -1050,7 +1050,7 @@
         <p:spPr>
           <a:xfrm>
             <a:off x="900000" y="1440000"/>
-            <a:ext cx="8280000" cy="3600000"/>
+            <a:ext cx="8279640" cy="3599640"/>
           </a:xfrm>
           <a:prstGeom prst="rect">
             <a:avLst/>
@@ -1084,7 +1084,7 @@
             <a:spLocks noGrp="1"/>
           </p:cNvSpPr>
           <p:nvPr>
-            <p:ph type="ftr" idx="2"/>
+            <p:ph type="ftr" idx="1"/>
           </p:nvPr>
         </p:nvSpPr>
         <p:spPr/>
@@ -1104,14 +1104,14 @@
             <a:spLocks noGrp="1"/>
           </p:cNvSpPr>
           <p:nvPr>
-            <p:ph type="sldNum" idx="3"/>
+            <p:ph type="sldNum" idx="2"/>
           </p:nvPr>
         </p:nvSpPr>
         <p:spPr/>
         <p:txBody>
           <a:bodyPr/>
           <a:p>
-            <a:fld id="{3D9EE439-77D9-45C8-AF8A-779315599557}" type="slidenum">
+            <a:fld id="{B5A5C9F0-E775-4EB8-ABAD-F2A0ADB1A670}" type="slidenum">
               <a:t>&lt;#&gt;</a:t>
             </a:fld>
           </a:p>
@@ -1124,7 +1124,7 @@
             <a:spLocks noGrp="1"/>
           </p:cNvSpPr>
           <p:nvPr>
-            <p:ph type="dt" idx="1"/>
+            <p:ph type="dt" idx="3"/>
           </p:nvPr>
         </p:nvSpPr>
         <p:spPr/>
@@ -1172,8 +1172,8 @@
         </p:nvSpPr>
         <p:spPr>
           <a:xfrm>
-            <a:off x="3240000" y="450000"/>
-            <a:ext cx="3600000" cy="900000"/>
+            <a:off x="3240000" y="274680"/>
+            <a:ext cx="3599640" cy="1250280"/>
           </a:xfrm>
           <a:prstGeom prst="rect">
             <a:avLst/>
@@ -1185,15 +1185,15 @@
         </p:spPr>
         <p:txBody>
           <a:bodyPr lIns="0" rIns="0" tIns="0" bIns="0" anchor="ctr">
-            <a:normAutofit/>
+            <a:noAutofit/>
           </a:bodyPr>
           <a:p>
             <a:pPr indent="0" algn="ctr">
               <a:buNone/>
             </a:pPr>
-            <a:endParaRPr b="1" lang="en-GB" sz="3300" spc="-1" strike="noStrike">
-              <a:solidFill>
-                <a:srgbClr val="ffffff"/>
+            <a:endParaRPr b="0" lang="en-GB" sz="4400" spc="-1" strike="noStrike">
+              <a:solidFill>
+                <a:srgbClr val="000000"/>
               </a:solidFill>
               <a:latin typeface="Arial"/>
             </a:endParaRPr>
@@ -1213,7 +1213,7 @@
         <p:spPr>
           <a:xfrm>
             <a:off x="900000" y="1440000"/>
-            <a:ext cx="8280000" cy="3600000"/>
+            <a:ext cx="8279640" cy="3599640"/>
           </a:xfrm>
           <a:prstGeom prst="rect">
             <a:avLst/>
@@ -1229,12 +1229,12 @@
           </a:bodyPr>
           <a:p>
             <a:pPr indent="0">
-              <a:spcAft>
-                <a:spcPts val="1063"/>
-              </a:spcAft>
+              <a:spcBef>
+                <a:spcPts val="1417"/>
+              </a:spcBef>
               <a:buNone/>
             </a:pPr>
-            <a:endParaRPr b="0" lang="en-GB" sz="2400" spc="-1" strike="noStrike">
+            <a:endParaRPr b="0" lang="en-GB" sz="3200" spc="-1" strike="noStrike">
               <a:solidFill>
                 <a:srgbClr val="000000"/>
               </a:solidFill>
@@ -1250,7 +1250,7 @@
             <a:spLocks noGrp="1"/>
           </p:cNvSpPr>
           <p:nvPr>
-            <p:ph type="ftr" idx="2"/>
+            <p:ph type="ftr" idx="1"/>
           </p:nvPr>
         </p:nvSpPr>
         <p:spPr/>
@@ -1270,14 +1270,14 @@
             <a:spLocks noGrp="1"/>
           </p:cNvSpPr>
           <p:nvPr>
-            <p:ph type="sldNum" idx="3"/>
+            <p:ph type="sldNum" idx="2"/>
           </p:nvPr>
         </p:nvSpPr>
         <p:spPr/>
         <p:txBody>
           <a:bodyPr/>
           <a:p>
-            <a:fld id="{C1E380A8-AC83-4AFA-B6B5-D65AA6839F17}" type="slidenum">
+            <a:fld id="{C0FA7D42-4CBB-4610-BCA5-214C6E460C7B}" type="slidenum">
               <a:t>&lt;#&gt;</a:t>
             </a:fld>
           </a:p>
@@ -1290,7 +1290,7 @@
             <a:spLocks noGrp="1"/>
           </p:cNvSpPr>
           <p:nvPr>
-            <p:ph type="dt" idx="1"/>
+            <p:ph type="dt" idx="3"/>
           </p:nvPr>
         </p:nvSpPr>
         <p:spPr/>
@@ -1338,8 +1338,8 @@
         </p:nvSpPr>
         <p:spPr>
           <a:xfrm>
-            <a:off x="3240000" y="450000"/>
-            <a:ext cx="3600000" cy="900000"/>
+            <a:off x="3240000" y="274680"/>
+            <a:ext cx="3599640" cy="1250280"/>
           </a:xfrm>
           <a:prstGeom prst="rect">
             <a:avLst/>
@@ -1351,15 +1351,15 @@
         </p:spPr>
         <p:txBody>
           <a:bodyPr lIns="0" rIns="0" tIns="0" bIns="0" anchor="ctr">
-            <a:normAutofit/>
+            <a:noAutofit/>
           </a:bodyPr>
           <a:p>
             <a:pPr indent="0" algn="ctr">
               <a:buNone/>
             </a:pPr>
-            <a:endParaRPr b="1" lang="en-GB" sz="3300" spc="-1" strike="noStrike">
-              <a:solidFill>
-                <a:srgbClr val="ffffff"/>
+            <a:endParaRPr b="0" lang="en-GB" sz="4400" spc="-1" strike="noStrike">
+              <a:solidFill>
+                <a:srgbClr val="000000"/>
               </a:solidFill>
               <a:latin typeface="Arial"/>
             </a:endParaRPr>
@@ -1379,7 +1379,7 @@
         <p:spPr>
           <a:xfrm>
             <a:off x="900000" y="1440000"/>
-            <a:ext cx="4040280" cy="3600000"/>
+            <a:ext cx="4040280" cy="3599640"/>
           </a:xfrm>
           <a:prstGeom prst="rect">
             <a:avLst/>
@@ -1395,12 +1395,12 @@
           </a:bodyPr>
           <a:p>
             <a:pPr indent="0">
-              <a:spcAft>
-                <a:spcPts val="1063"/>
-              </a:spcAft>
+              <a:spcBef>
+                <a:spcPts val="1417"/>
+              </a:spcBef>
               <a:buNone/>
             </a:pPr>
-            <a:endParaRPr b="0" lang="en-GB" sz="2400" spc="-1" strike="noStrike">
+            <a:endParaRPr b="0" lang="en-GB" sz="3200" spc="-1" strike="noStrike">
               <a:solidFill>
                 <a:srgbClr val="000000"/>
               </a:solidFill>
@@ -1422,7 +1422,7 @@
         <p:spPr>
           <a:xfrm>
             <a:off x="5142600" y="1440000"/>
-            <a:ext cx="4040280" cy="3600000"/>
+            <a:ext cx="4040280" cy="3599640"/>
           </a:xfrm>
           <a:prstGeom prst="rect">
             <a:avLst/>
@@ -1438,12 +1438,12 @@
           </a:bodyPr>
           <a:p>
             <a:pPr indent="0">
-              <a:spcAft>
-                <a:spcPts val="1063"/>
-              </a:spcAft>
+              <a:spcBef>
+                <a:spcPts val="1417"/>
+              </a:spcBef>
               <a:buNone/>
             </a:pPr>
-            <a:endParaRPr b="0" lang="en-GB" sz="2400" spc="-1" strike="noStrike">
+            <a:endParaRPr b="0" lang="en-GB" sz="3200" spc="-1" strike="noStrike">
               <a:solidFill>
                 <a:srgbClr val="000000"/>
               </a:solidFill>
@@ -1459,7 +1459,7 @@
             <a:spLocks noGrp="1"/>
           </p:cNvSpPr>
           <p:nvPr>
-            <p:ph type="ftr" idx="2"/>
+            <p:ph type="ftr" idx="1"/>
           </p:nvPr>
         </p:nvSpPr>
         <p:spPr/>
@@ -1479,14 +1479,14 @@
             <a:spLocks noGrp="1"/>
           </p:cNvSpPr>
           <p:nvPr>
-            <p:ph type="sldNum" idx="3"/>
+            <p:ph type="sldNum" idx="2"/>
           </p:nvPr>
         </p:nvSpPr>
         <p:spPr/>
         <p:txBody>
           <a:bodyPr/>
           <a:p>
-            <a:fld id="{99C8C329-3831-4470-A606-D6D9D7EAE856}" type="slidenum">
+            <a:fld id="{1C9C1F3C-229A-4B48-A742-04E487DB5576}" type="slidenum">
               <a:t>&lt;#&gt;</a:t>
             </a:fld>
           </a:p>
@@ -1499,7 +1499,7 @@
             <a:spLocks noGrp="1"/>
           </p:cNvSpPr>
           <p:nvPr>
-            <p:ph type="dt" idx="1"/>
+            <p:ph type="dt" idx="3"/>
           </p:nvPr>
         </p:nvSpPr>
         <p:spPr/>
@@ -1547,8 +1547,8 @@
         </p:nvSpPr>
         <p:spPr>
           <a:xfrm>
-            <a:off x="3240000" y="450000"/>
-            <a:ext cx="3600000" cy="900000"/>
+            <a:off x="3240000" y="274680"/>
+            <a:ext cx="3599640" cy="1250280"/>
           </a:xfrm>
           <a:prstGeom prst="rect">
             <a:avLst/>
@@ -1560,15 +1560,15 @@
         </p:spPr>
         <p:txBody>
           <a:bodyPr lIns="0" rIns="0" tIns="0" bIns="0" anchor="ctr">
-            <a:normAutofit/>
+            <a:noAutofit/>
           </a:bodyPr>
           <a:p>
             <a:pPr indent="0" algn="ctr">
               <a:buNone/>
             </a:pPr>
-            <a:endParaRPr b="1" lang="en-GB" sz="3300" spc="-1" strike="noStrike">
-              <a:solidFill>
-                <a:srgbClr val="ffffff"/>
+            <a:endParaRPr b="0" lang="en-GB" sz="4400" spc="-1" strike="noStrike">
+              <a:solidFill>
+                <a:srgbClr val="000000"/>
               </a:solidFill>
               <a:latin typeface="Arial"/>
             </a:endParaRPr>
@@ -1582,7 +1582,7 @@
             <a:spLocks noGrp="1"/>
           </p:cNvSpPr>
           <p:nvPr>
-            <p:ph type="ftr" idx="2"/>
+            <p:ph type="ftr" idx="1"/>
           </p:nvPr>
         </p:nvSpPr>
         <p:spPr/>
@@ -1602,14 +1602,14 @@
             <a:spLocks noGrp="1"/>
           </p:cNvSpPr>
           <p:nvPr>
-            <p:ph type="sldNum" idx="3"/>
+            <p:ph type="sldNum" idx="2"/>
           </p:nvPr>
         </p:nvSpPr>
         <p:spPr/>
         <p:txBody>
           <a:bodyPr/>
           <a:p>
-            <a:fld id="{5C6FE10F-11D2-4B06-99D9-4361E6A57D21}" type="slidenum">
+            <a:fld id="{8D212B12-0A31-447E-BF84-069A6B8F326A}" type="slidenum">
               <a:t>&lt;#&gt;</a:t>
             </a:fld>
           </a:p>
@@ -1622,7 +1622,7 @@
             <a:spLocks noGrp="1"/>
           </p:cNvSpPr>
           <p:nvPr>
-            <p:ph type="dt" idx="1"/>
+            <p:ph type="dt" idx="3"/>
           </p:nvPr>
         </p:nvSpPr>
         <p:spPr/>
@@ -1671,7 +1671,7 @@
         <p:spPr>
           <a:xfrm>
             <a:off x="3240000" y="450000"/>
-            <a:ext cx="3600000" cy="4173120"/>
+            <a:ext cx="3599640" cy="4171680"/>
           </a:xfrm>
           <a:prstGeom prst="rect">
             <a:avLst/>
@@ -1703,7 +1703,7 @@
             <a:spLocks noGrp="1"/>
           </p:cNvSpPr>
           <p:nvPr>
-            <p:ph type="ftr" idx="2"/>
+            <p:ph type="ftr" idx="1"/>
           </p:nvPr>
         </p:nvSpPr>
         <p:spPr/>
@@ -1723,14 +1723,14 @@
             <a:spLocks noGrp="1"/>
           </p:cNvSpPr>
           <p:nvPr>
-            <p:ph type="sldNum" idx="3"/>
+            <p:ph type="sldNum" idx="2"/>
           </p:nvPr>
         </p:nvSpPr>
         <p:spPr/>
         <p:txBody>
           <a:bodyPr/>
           <a:p>
-            <a:fld id="{BC2B7824-C66A-43ED-80DA-2954CC5ECC45}" type="slidenum">
+            <a:fld id="{D66EBBBD-6BBE-44C9-B5A2-E53CA5681C80}" type="slidenum">
               <a:t>&lt;#&gt;</a:t>
             </a:fld>
           </a:p>
@@ -1743,7 +1743,7 @@
             <a:spLocks noGrp="1"/>
           </p:cNvSpPr>
           <p:nvPr>
-            <p:ph type="dt" idx="1"/>
+            <p:ph type="dt" idx="3"/>
           </p:nvPr>
         </p:nvSpPr>
         <p:spPr/>
@@ -1791,8 +1791,8 @@
         </p:nvSpPr>
         <p:spPr>
           <a:xfrm>
-            <a:off x="3240000" y="450000"/>
-            <a:ext cx="3600000" cy="900000"/>
+            <a:off x="3240000" y="274680"/>
+            <a:ext cx="3599640" cy="1250280"/>
           </a:xfrm>
           <a:prstGeom prst="rect">
             <a:avLst/>
@@ -1804,15 +1804,15 @@
         </p:spPr>
         <p:txBody>
           <a:bodyPr lIns="0" rIns="0" tIns="0" bIns="0" anchor="ctr">
-            <a:normAutofit/>
+            <a:noAutofit/>
           </a:bodyPr>
           <a:p>
             <a:pPr indent="0" algn="ctr">
               <a:buNone/>
             </a:pPr>
-            <a:endParaRPr b="1" lang="en-GB" sz="3300" spc="-1" strike="noStrike">
-              <a:solidFill>
-                <a:srgbClr val="ffffff"/>
+            <a:endParaRPr b="0" lang="en-GB" sz="4400" spc="-1" strike="noStrike">
+              <a:solidFill>
+                <a:srgbClr val="000000"/>
               </a:solidFill>
               <a:latin typeface="Arial"/>
             </a:endParaRPr>
@@ -1848,12 +1848,12 @@
           </a:bodyPr>
           <a:p>
             <a:pPr indent="0">
-              <a:spcAft>
-                <a:spcPts val="1063"/>
-              </a:spcAft>
+              <a:spcBef>
+                <a:spcPts val="1417"/>
+              </a:spcBef>
               <a:buNone/>
             </a:pPr>
-            <a:endParaRPr b="0" lang="en-GB" sz="2400" spc="-1" strike="noStrike">
+            <a:endParaRPr b="0" lang="en-GB" sz="3200" spc="-1" strike="noStrike">
               <a:solidFill>
                 <a:srgbClr val="000000"/>
               </a:solidFill>
@@ -1875,7 +1875,7 @@
         <p:spPr>
           <a:xfrm>
             <a:off x="5142600" y="1440000"/>
-            <a:ext cx="4040280" cy="3600000"/>
+            <a:ext cx="4040280" cy="3599640"/>
           </a:xfrm>
           <a:prstGeom prst="rect">
             <a:avLst/>
@@ -1891,12 +1891,12 @@
           </a:bodyPr>
           <a:p>
             <a:pPr indent="0">
-              <a:spcAft>
-                <a:spcPts val="1063"/>
-              </a:spcAft>
+              <a:spcBef>
+                <a:spcPts val="1417"/>
+              </a:spcBef>
               <a:buNone/>
             </a:pPr>
-            <a:endParaRPr b="0" lang="en-GB" sz="2400" spc="-1" strike="noStrike">
+            <a:endParaRPr b="0" lang="en-GB" sz="3200" spc="-1" strike="noStrike">
               <a:solidFill>
                 <a:srgbClr val="000000"/>
               </a:solidFill>
@@ -1934,12 +1934,12 @@
           </a:bodyPr>
           <a:p>
             <a:pPr indent="0">
-              <a:spcAft>
-                <a:spcPts val="1063"/>
-              </a:spcAft>
+              <a:spcBef>
+                <a:spcPts val="1417"/>
+              </a:spcBef>
               <a:buNone/>
             </a:pPr>
-            <a:endParaRPr b="0" lang="en-GB" sz="2400" spc="-1" strike="noStrike">
+            <a:endParaRPr b="0" lang="en-GB" sz="3200" spc="-1" strike="noStrike">
               <a:solidFill>
                 <a:srgbClr val="000000"/>
               </a:solidFill>
@@ -1955,7 +1955,7 @@
             <a:spLocks noGrp="1"/>
           </p:cNvSpPr>
           <p:nvPr>
-            <p:ph type="ftr" idx="2"/>
+            <p:ph type="ftr" idx="1"/>
           </p:nvPr>
         </p:nvSpPr>
         <p:spPr/>
@@ -1975,14 +1975,14 @@
             <a:spLocks noGrp="1"/>
           </p:cNvSpPr>
           <p:nvPr>
-            <p:ph type="sldNum" idx="3"/>
+            <p:ph type="sldNum" idx="2"/>
           </p:nvPr>
         </p:nvSpPr>
         <p:spPr/>
         <p:txBody>
           <a:bodyPr/>
           <a:p>
-            <a:fld id="{692A905C-5D4C-4FC6-96CA-7DD455BAE3FD}" type="slidenum">
+            <a:fld id="{B2CA2A6F-9E47-4348-A7D6-7DBE9E1B2ACD}" type="slidenum">
               <a:t>&lt;#&gt;</a:t>
             </a:fld>
           </a:p>
@@ -1995,7 +1995,7 @@
             <a:spLocks noGrp="1"/>
           </p:cNvSpPr>
           <p:nvPr>
-            <p:ph type="dt" idx="1"/>
+            <p:ph type="dt" idx="3"/>
           </p:nvPr>
         </p:nvSpPr>
         <p:spPr/>
@@ -2043,8 +2043,8 @@
         </p:nvSpPr>
         <p:spPr>
           <a:xfrm>
-            <a:off x="3240000" y="450000"/>
-            <a:ext cx="3600000" cy="900000"/>
+            <a:off x="3240000" y="274680"/>
+            <a:ext cx="3599640" cy="1250280"/>
           </a:xfrm>
           <a:prstGeom prst="rect">
             <a:avLst/>
@@ -2056,15 +2056,15 @@
         </p:spPr>
         <p:txBody>
           <a:bodyPr lIns="0" rIns="0" tIns="0" bIns="0" anchor="ctr">
-            <a:normAutofit/>
+            <a:noAutofit/>
           </a:bodyPr>
           <a:p>
             <a:pPr indent="0" algn="ctr">
               <a:buNone/>
             </a:pPr>
-            <a:endParaRPr b="1" lang="en-GB" sz="3300" spc="-1" strike="noStrike">
-              <a:solidFill>
-                <a:srgbClr val="ffffff"/>
+            <a:endParaRPr b="0" lang="en-GB" sz="4400" spc="-1" strike="noStrike">
+              <a:solidFill>
+                <a:srgbClr val="000000"/>
               </a:solidFill>
               <a:latin typeface="Arial"/>
             </a:endParaRPr>
@@ -2084,7 +2084,7 @@
         <p:spPr>
           <a:xfrm>
             <a:off x="900000" y="1440000"/>
-            <a:ext cx="4040280" cy="3600000"/>
+            <a:ext cx="4040280" cy="3599640"/>
           </a:xfrm>
           <a:prstGeom prst="rect">
             <a:avLst/>
@@ -2100,12 +2100,12 @@
           </a:bodyPr>
           <a:p>
             <a:pPr indent="0">
-              <a:spcAft>
-                <a:spcPts val="1063"/>
-              </a:spcAft>
+              <a:spcBef>
+                <a:spcPts val="1417"/>
+              </a:spcBef>
               <a:buNone/>
             </a:pPr>
-            <a:endParaRPr b="0" lang="en-GB" sz="2400" spc="-1" strike="noStrike">
+            <a:endParaRPr b="0" lang="en-GB" sz="3200" spc="-1" strike="noStrike">
               <a:solidFill>
                 <a:srgbClr val="000000"/>
               </a:solidFill>
@@ -2143,12 +2143,12 @@
           </a:bodyPr>
           <a:p>
             <a:pPr indent="0">
-              <a:spcAft>
-                <a:spcPts val="1063"/>
-              </a:spcAft>
+              <a:spcBef>
+                <a:spcPts val="1417"/>
+              </a:spcBef>
               <a:buNone/>
             </a:pPr>
-            <a:endParaRPr b="0" lang="en-GB" sz="2400" spc="-1" strike="noStrike">
+            <a:endParaRPr b="0" lang="en-GB" sz="3200" spc="-1" strike="noStrike">
               <a:solidFill>
                 <a:srgbClr val="000000"/>
               </a:solidFill>
@@ -2186,12 +2186,12 @@
           </a:bodyPr>
           <a:p>
             <a:pPr indent="0">
-              <a:spcAft>
-                <a:spcPts val="1063"/>
-              </a:spcAft>
+              <a:spcBef>
+                <a:spcPts val="1417"/>
+              </a:spcBef>
               <a:buNone/>
             </a:pPr>
-            <a:endParaRPr b="0" lang="en-GB" sz="2400" spc="-1" strike="noStrike">
+            <a:endParaRPr b="0" lang="en-GB" sz="3200" spc="-1" strike="noStrike">
               <a:solidFill>
                 <a:srgbClr val="000000"/>
               </a:solidFill>
@@ -2207,7 +2207,7 @@
             <a:spLocks noGrp="1"/>
           </p:cNvSpPr>
           <p:nvPr>
-            <p:ph type="ftr" idx="2"/>
+            <p:ph type="ftr" idx="1"/>
           </p:nvPr>
         </p:nvSpPr>
         <p:spPr/>
@@ -2227,14 +2227,14 @@
             <a:spLocks noGrp="1"/>
           </p:cNvSpPr>
           <p:nvPr>
-            <p:ph type="sldNum" idx="3"/>
+            <p:ph type="sldNum" idx="2"/>
           </p:nvPr>
         </p:nvSpPr>
         <p:spPr/>
         <p:txBody>
           <a:bodyPr/>
           <a:p>
-            <a:fld id="{D7AA16DE-CA38-4E3E-B5B0-55B1C7B50666}" type="slidenum">
+            <a:fld id="{091F27DD-A2D7-43CC-B7CF-74632806D5C0}" type="slidenum">
               <a:t>&lt;#&gt;</a:t>
             </a:fld>
           </a:p>
@@ -2247,7 +2247,7 @@
             <a:spLocks noGrp="1"/>
           </p:cNvSpPr>
           <p:nvPr>
-            <p:ph type="dt" idx="1"/>
+            <p:ph type="dt" idx="3"/>
           </p:nvPr>
         </p:nvSpPr>
         <p:spPr/>
@@ -2295,8 +2295,8 @@
         </p:nvSpPr>
         <p:spPr>
           <a:xfrm>
-            <a:off x="3240000" y="450000"/>
-            <a:ext cx="3600000" cy="900000"/>
+            <a:off x="3240000" y="274680"/>
+            <a:ext cx="3599640" cy="1250280"/>
           </a:xfrm>
           <a:prstGeom prst="rect">
             <a:avLst/>
@@ -2308,15 +2308,15 @@
         </p:spPr>
         <p:txBody>
           <a:bodyPr lIns="0" rIns="0" tIns="0" bIns="0" anchor="ctr">
-            <a:normAutofit/>
+            <a:noAutofit/>
           </a:bodyPr>
           <a:p>
             <a:pPr indent="0" algn="ctr">
               <a:buNone/>
             </a:pPr>
-            <a:endParaRPr b="1" lang="en-GB" sz="3300" spc="-1" strike="noStrike">
-              <a:solidFill>
-                <a:srgbClr val="ffffff"/>
+            <a:endParaRPr b="0" lang="en-GB" sz="4400" spc="-1" strike="noStrike">
+              <a:solidFill>
+                <a:srgbClr val="000000"/>
               </a:solidFill>
               <a:latin typeface="Arial"/>
             </a:endParaRPr>
@@ -2352,12 +2352,12 @@
           </a:bodyPr>
           <a:p>
             <a:pPr indent="0">
-              <a:spcAft>
-                <a:spcPts val="1063"/>
-              </a:spcAft>
+              <a:spcBef>
+                <a:spcPts val="1417"/>
+              </a:spcBef>
               <a:buNone/>
             </a:pPr>
-            <a:endParaRPr b="0" lang="en-GB" sz="2400" spc="-1" strike="noStrike">
+            <a:endParaRPr b="0" lang="en-GB" sz="3200" spc="-1" strike="noStrike">
               <a:solidFill>
                 <a:srgbClr val="000000"/>
               </a:solidFill>
@@ -2395,12 +2395,12 @@
           </a:bodyPr>
           <a:p>
             <a:pPr indent="0">
-              <a:spcAft>
-                <a:spcPts val="1063"/>
-              </a:spcAft>
+              <a:spcBef>
+                <a:spcPts val="1417"/>
+              </a:spcBef>
               <a:buNone/>
             </a:pPr>
-            <a:endParaRPr b="0" lang="en-GB" sz="2400" spc="-1" strike="noStrike">
+            <a:endParaRPr b="0" lang="en-GB" sz="3200" spc="-1" strike="noStrike">
               <a:solidFill>
                 <a:srgbClr val="000000"/>
               </a:solidFill>
@@ -2422,7 +2422,7 @@
         <p:spPr>
           <a:xfrm>
             <a:off x="900000" y="3320280"/>
-            <a:ext cx="8280000" cy="1716840"/>
+            <a:ext cx="8279640" cy="1716840"/>
           </a:xfrm>
           <a:prstGeom prst="rect">
             <a:avLst/>
@@ -2438,12 +2438,12 @@
           </a:bodyPr>
           <a:p>
             <a:pPr indent="0">
-              <a:spcAft>
-                <a:spcPts val="1063"/>
-              </a:spcAft>
+              <a:spcBef>
+                <a:spcPts val="1417"/>
+              </a:spcBef>
               <a:buNone/>
             </a:pPr>
-            <a:endParaRPr b="0" lang="en-GB" sz="2400" spc="-1" strike="noStrike">
+            <a:endParaRPr b="0" lang="en-GB" sz="3200" spc="-1" strike="noStrike">
               <a:solidFill>
                 <a:srgbClr val="000000"/>
               </a:solidFill>
@@ -2459,7 +2459,7 @@
             <a:spLocks noGrp="1"/>
           </p:cNvSpPr>
           <p:nvPr>
-            <p:ph type="ftr" idx="2"/>
+            <p:ph type="ftr" idx="1"/>
           </p:nvPr>
         </p:nvSpPr>
         <p:spPr/>
@@ -2479,14 +2479,14 @@
             <a:spLocks noGrp="1"/>
           </p:cNvSpPr>
           <p:nvPr>
-            <p:ph type="sldNum" idx="3"/>
+            <p:ph type="sldNum" idx="2"/>
           </p:nvPr>
         </p:nvSpPr>
         <p:spPr/>
         <p:txBody>
           <a:bodyPr/>
           <a:p>
-            <a:fld id="{8825A1D1-6B24-4055-9966-02C0D9E2F288}" type="slidenum">
+            <a:fld id="{C741B70B-49ED-498B-9DD9-DED05BA71466}" type="slidenum">
               <a:t>&lt;#&gt;</a:t>
             </a:fld>
           </a:p>
@@ -2499,7 +2499,7 @@
             <a:spLocks noGrp="1"/>
           </p:cNvSpPr>
           <p:nvPr>
-            <p:ph type="dt" idx="1"/>
+            <p:ph type="dt" idx="3"/>
           </p:nvPr>
         </p:nvSpPr>
         <p:spPr/>
@@ -2550,8 +2550,8 @@
         </p:nvSpPr>
         <p:spPr>
           <a:xfrm rot="60000">
-            <a:off x="356400" y="140040"/>
-            <a:ext cx="9435240" cy="5220000"/>
+            <a:off x="356400" y="139680"/>
+            <a:ext cx="9434880" cy="5219640"/>
           </a:xfrm>
           <a:prstGeom prst="rect">
             <a:avLst/>
@@ -2590,11 +2590,17 @@
             <a:noAutofit/>
           </a:bodyPr>
           <a:p>
+            <a:pPr>
+              <a:lnSpc>
+                <a:spcPct val="100000"/>
+              </a:lnSpc>
+            </a:pPr>
             <a:endParaRPr b="0" lang="en-GB" sz="1800" spc="-1" strike="noStrike">
               <a:solidFill>
                 <a:srgbClr val="ffffff"/>
               </a:solidFill>
               <a:latin typeface="Arial"/>
+              <a:ea typeface="DejaVu Sans"/>
             </a:endParaRPr>
           </a:p>
         </p:txBody>
@@ -2608,7 +2614,7 @@
         <p:spPr>
           <a:xfrm>
             <a:off x="437760" y="257760"/>
-            <a:ext cx="9102240" cy="5322240"/>
+            <a:ext cx="9101880" cy="5321880"/>
           </a:xfrm>
           <a:prstGeom prst="rect">
             <a:avLst/>
@@ -2633,11 +2639,17 @@
             <a:noAutofit/>
           </a:bodyPr>
           <a:p>
+            <a:pPr>
+              <a:lnSpc>
+                <a:spcPct val="100000"/>
+              </a:lnSpc>
+            </a:pPr>
             <a:endParaRPr b="0" lang="en-GB" sz="1800" spc="-1" strike="noStrike">
               <a:solidFill>
                 <a:srgbClr val="ffffff"/>
               </a:solidFill>
               <a:latin typeface="Arial"/>
+              <a:ea typeface="DejaVu Sans"/>
             </a:endParaRPr>
           </a:p>
         </p:txBody>
@@ -2651,7 +2663,7 @@
         <p:spPr>
           <a:xfrm>
             <a:off x="540000" y="360000"/>
-            <a:ext cx="9000000" cy="5220000"/>
+            <a:ext cx="8999640" cy="5219640"/>
           </a:xfrm>
           <a:prstGeom prst="rect">
             <a:avLst/>
@@ -2687,485 +2699,42 @@
             <a:noAutofit/>
           </a:bodyPr>
           <a:p>
+            <a:pPr>
+              <a:lnSpc>
+                <a:spcPct val="100000"/>
+              </a:lnSpc>
+            </a:pPr>
             <a:endParaRPr b="0" lang="en-GB" sz="1800" spc="-1" strike="noStrike">
               <a:solidFill>
                 <a:srgbClr val="ffffff"/>
               </a:solidFill>
               <a:latin typeface="Arial"/>
-            </a:endParaRPr>
-          </a:p>
-        </p:txBody>
-      </p:sp>
-      <p:sp>
-        <p:nvSpPr>
-          <p:cNvPr id="3" name="PlaceHolder 1"/>
-          <p:cNvSpPr>
-            <a:spLocks noGrp="1"/>
-          </p:cNvSpPr>
-          <p:nvPr>
-            <p:ph type="title"/>
-          </p:nvPr>
-        </p:nvSpPr>
-        <p:spPr>
-          <a:xfrm>
-            <a:off x="3240000" y="450000"/>
-            <a:ext cx="3600000" cy="900000"/>
-          </a:xfrm>
-          <a:prstGeom prst="rect">
-            <a:avLst/>
-          </a:prstGeom>
-          <a:noFill/>
-          <a:ln w="0">
-            <a:noFill/>
-          </a:ln>
-        </p:spPr>
-        <p:txBody>
-          <a:bodyPr lIns="0" rIns="0" tIns="0" bIns="0" anchor="ctr">
-            <a:normAutofit fontScale="96000"/>
-          </a:bodyPr>
-          <a:p>
-            <a:pPr indent="0" algn="ctr">
-              <a:buNone/>
-            </a:pPr>
-            <a:r>
-              <a:rPr b="1" lang="en-GB" sz="3300" spc="-1" strike="noStrike">
-                <a:solidFill>
-                  <a:srgbClr val="ffffff"/>
-                </a:solidFill>
-                <a:latin typeface="Arial"/>
-              </a:rPr>
-              <a:t>Click to edit the title text format</a:t>
-            </a:r>
-            <a:endParaRPr b="1" lang="en-GB" sz="3300" spc="-1" strike="noStrike">
-              <a:solidFill>
-                <a:srgbClr val="ffffff"/>
-              </a:solidFill>
-              <a:latin typeface="Arial"/>
-            </a:endParaRPr>
-          </a:p>
-        </p:txBody>
-      </p:sp>
-      <p:sp>
-        <p:nvSpPr>
-          <p:cNvPr id="4" name="PlaceHolder 2"/>
-          <p:cNvSpPr>
-            <a:spLocks noGrp="1"/>
-          </p:cNvSpPr>
-          <p:nvPr>
-            <p:ph type="body"/>
-          </p:nvPr>
-        </p:nvSpPr>
-        <p:spPr>
-          <a:xfrm>
-            <a:off x="900000" y="1440000"/>
-            <a:ext cx="8280000" cy="3600000"/>
-          </a:xfrm>
-          <a:prstGeom prst="rect">
-            <a:avLst/>
-          </a:prstGeom>
-          <a:noFill/>
-          <a:ln w="0">
-            <a:noFill/>
-          </a:ln>
-        </p:spPr>
-        <p:txBody>
-          <a:bodyPr lIns="0" rIns="0" tIns="0" bIns="0" anchor="t">
-            <a:normAutofit/>
-          </a:bodyPr>
-          <a:p>
-            <a:pPr marL="432000" indent="-324000">
-              <a:spcAft>
-                <a:spcPts val="1063"/>
-              </a:spcAft>
-              <a:buClr>
-                <a:srgbClr val="000000"/>
-              </a:buClr>
-              <a:buSzPct val="45000"/>
-              <a:buFont typeface="Wingdings" charset="2"/>
-              <a:buChar char=""/>
-            </a:pPr>
-            <a:r>
-              <a:rPr b="0" lang="en-GB" sz="2400" spc="-1" strike="noStrike">
-                <a:solidFill>
-                  <a:srgbClr val="000000"/>
-                </a:solidFill>
-                <a:latin typeface="Arial"/>
-              </a:rPr>
-              <a:t>Click to edit the outline text format</a:t>
-            </a:r>
-            <a:endParaRPr b="0" lang="en-GB" sz="2400" spc="-1" strike="noStrike">
-              <a:solidFill>
-                <a:srgbClr val="000000"/>
-              </a:solidFill>
-              <a:latin typeface="Arial"/>
-            </a:endParaRPr>
-          </a:p>
-          <a:p>
-            <a:pPr lvl="1" marL="864000" indent="-324000">
-              <a:spcAft>
-                <a:spcPts val="850"/>
-              </a:spcAft>
-              <a:buClr>
-                <a:srgbClr val="000000"/>
-              </a:buClr>
-              <a:buSzPct val="75000"/>
-              <a:buFont typeface="Symbol" charset="2"/>
-              <a:buChar char=""/>
-            </a:pPr>
-            <a:r>
-              <a:rPr b="0" lang="en-GB" sz="2100" spc="-1" strike="noStrike">
-                <a:solidFill>
-                  <a:srgbClr val="000000"/>
-                </a:solidFill>
-                <a:latin typeface="Arial"/>
-              </a:rPr>
-              <a:t>Second Outline Level</a:t>
-            </a:r>
-            <a:endParaRPr b="0" lang="en-GB" sz="2100" spc="-1" strike="noStrike">
-              <a:solidFill>
-                <a:srgbClr val="000000"/>
-              </a:solidFill>
-              <a:latin typeface="Arial"/>
-            </a:endParaRPr>
-          </a:p>
-          <a:p>
-            <a:pPr lvl="2" marL="1296000" indent="-288000">
-              <a:spcAft>
-                <a:spcPts val="638"/>
-              </a:spcAft>
-              <a:buClr>
-                <a:srgbClr val="000000"/>
-              </a:buClr>
-              <a:buSzPct val="45000"/>
-              <a:buFont typeface="Wingdings" charset="2"/>
-              <a:buChar char=""/>
-            </a:pPr>
-            <a:r>
-              <a:rPr b="0" lang="en-GB" sz="1800" spc="-1" strike="noStrike">
-                <a:solidFill>
-                  <a:srgbClr val="000000"/>
-                </a:solidFill>
-                <a:latin typeface="Arial"/>
-              </a:rPr>
-              <a:t>Third Outline Level</a:t>
-            </a:r>
-            <a:endParaRPr b="0" lang="en-GB" sz="1800" spc="-1" strike="noStrike">
-              <a:solidFill>
-                <a:srgbClr val="000000"/>
-              </a:solidFill>
-              <a:latin typeface="Arial"/>
-            </a:endParaRPr>
-          </a:p>
-          <a:p>
-            <a:pPr lvl="3" marL="1728000" indent="-216000">
-              <a:spcAft>
-                <a:spcPts val="425"/>
-              </a:spcAft>
-              <a:buClr>
-                <a:srgbClr val="000000"/>
-              </a:buClr>
-              <a:buSzPct val="75000"/>
-              <a:buFont typeface="Symbol" charset="2"/>
-              <a:buChar char=""/>
-            </a:pPr>
-            <a:r>
-              <a:rPr b="0" lang="en-GB" sz="1500" spc="-1" strike="noStrike">
-                <a:solidFill>
-                  <a:srgbClr val="000000"/>
-                </a:solidFill>
-                <a:latin typeface="Arial"/>
-              </a:rPr>
-              <a:t>Fourth Outline Level</a:t>
-            </a:r>
-            <a:endParaRPr b="0" lang="en-GB" sz="1500" spc="-1" strike="noStrike">
-              <a:solidFill>
-                <a:srgbClr val="000000"/>
-              </a:solidFill>
-              <a:latin typeface="Arial"/>
-            </a:endParaRPr>
-          </a:p>
-          <a:p>
-            <a:pPr lvl="4" marL="2160000" indent="-216000">
-              <a:spcAft>
-                <a:spcPts val="213"/>
-              </a:spcAft>
-              <a:buClr>
-                <a:srgbClr val="000000"/>
-              </a:buClr>
-              <a:buSzPct val="45000"/>
-              <a:buFont typeface="Wingdings" charset="2"/>
-              <a:buChar char=""/>
-            </a:pPr>
-            <a:r>
-              <a:rPr b="0" lang="en-GB" sz="1500" spc="-1" strike="noStrike">
-                <a:solidFill>
-                  <a:srgbClr val="000000"/>
-                </a:solidFill>
-                <a:latin typeface="Arial"/>
-              </a:rPr>
-              <a:t>Fifth Outline Level</a:t>
-            </a:r>
-            <a:endParaRPr b="0" lang="en-GB" sz="1500" spc="-1" strike="noStrike">
-              <a:solidFill>
-                <a:srgbClr val="000000"/>
-              </a:solidFill>
-              <a:latin typeface="Arial"/>
-            </a:endParaRPr>
-          </a:p>
-          <a:p>
-            <a:pPr lvl="5" marL="2592000" indent="-216000">
-              <a:spcAft>
-                <a:spcPts val="213"/>
-              </a:spcAft>
-              <a:buClr>
-                <a:srgbClr val="000000"/>
-              </a:buClr>
-              <a:buSzPct val="45000"/>
-              <a:buFont typeface="Wingdings" charset="2"/>
-              <a:buChar char=""/>
-            </a:pPr>
-            <a:r>
-              <a:rPr b="0" lang="en-GB" sz="1500" spc="-1" strike="noStrike">
-                <a:solidFill>
-                  <a:srgbClr val="000000"/>
-                </a:solidFill>
-                <a:latin typeface="Arial"/>
-              </a:rPr>
-              <a:t>Sixth Outline Level</a:t>
-            </a:r>
-            <a:endParaRPr b="0" lang="en-GB" sz="1500" spc="-1" strike="noStrike">
-              <a:solidFill>
-                <a:srgbClr val="000000"/>
-              </a:solidFill>
-              <a:latin typeface="Arial"/>
-            </a:endParaRPr>
-          </a:p>
-          <a:p>
-            <a:pPr lvl="6" marL="3024000" indent="-216000">
-              <a:spcAft>
-                <a:spcPts val="213"/>
-              </a:spcAft>
-              <a:buClr>
-                <a:srgbClr val="000000"/>
-              </a:buClr>
-              <a:buSzPct val="45000"/>
-              <a:buFont typeface="Wingdings" charset="2"/>
-              <a:buChar char=""/>
-            </a:pPr>
-            <a:r>
-              <a:rPr b="0" lang="en-GB" sz="1500" spc="-1" strike="noStrike">
-                <a:solidFill>
-                  <a:srgbClr val="000000"/>
-                </a:solidFill>
-                <a:latin typeface="Arial"/>
-              </a:rPr>
-              <a:t>Seventh Outline Level</a:t>
-            </a:r>
-            <a:endParaRPr b="0" lang="en-GB" sz="1500" spc="-1" strike="noStrike">
-              <a:solidFill>
-                <a:srgbClr val="000000"/>
-              </a:solidFill>
-              <a:latin typeface="Arial"/>
-            </a:endParaRPr>
-          </a:p>
-        </p:txBody>
-      </p:sp>
-      <p:sp>
-        <p:nvSpPr>
-          <p:cNvPr id="5" name="PlaceHolder 3"/>
-          <p:cNvSpPr>
-            <a:spLocks noGrp="1"/>
-          </p:cNvSpPr>
-          <p:nvPr>
-            <p:ph type="dt" idx="1"/>
-          </p:nvPr>
-        </p:nvSpPr>
-        <p:spPr>
-          <a:xfrm>
-            <a:off x="900000" y="5166000"/>
-            <a:ext cx="2160000" cy="392400"/>
-          </a:xfrm>
-          <a:prstGeom prst="rect">
-            <a:avLst/>
-          </a:prstGeom>
-          <a:noFill/>
-          <a:ln w="0">
-            <a:noFill/>
-          </a:ln>
-        </p:spPr>
-        <p:txBody>
-          <a:bodyPr lIns="0" rIns="0" tIns="0" bIns="0" anchor="t">
-            <a:noAutofit/>
-          </a:bodyPr>
-          <a:lstStyle>
-            <a:lvl1pPr indent="0">
-              <a:buNone/>
-              <a:defRPr b="0" lang="en-GB" sz="1400" spc="-1" strike="noStrike">
-                <a:solidFill>
-                  <a:srgbClr val="000000"/>
-                </a:solidFill>
-                <a:latin typeface="Arial"/>
-              </a:defRPr>
-            </a:lvl1pPr>
-          </a:lstStyle>
-          <a:p>
-            <a:pPr indent="0">
-              <a:buNone/>
-            </a:pPr>
-            <a:r>
-              <a:rPr b="0" lang="en-GB" sz="1400" spc="-1" strike="noStrike">
-                <a:solidFill>
-                  <a:srgbClr val="000000"/>
-                </a:solidFill>
-                <a:latin typeface="Arial"/>
-              </a:rPr>
-              <a:t>&lt;date/time&gt;</a:t>
-            </a:r>
-            <a:endParaRPr b="0" lang="en-GB" sz="1400" spc="-1" strike="noStrike">
-              <a:solidFill>
-                <a:srgbClr val="000000"/>
-              </a:solidFill>
-              <a:latin typeface="Arial"/>
-            </a:endParaRPr>
-          </a:p>
-        </p:txBody>
-      </p:sp>
-      <p:sp>
-        <p:nvSpPr>
-          <p:cNvPr id="6" name="PlaceHolder 4"/>
-          <p:cNvSpPr>
-            <a:spLocks noGrp="1"/>
-          </p:cNvSpPr>
-          <p:nvPr>
-            <p:ph type="ftr" idx="2"/>
-          </p:nvPr>
-        </p:nvSpPr>
-        <p:spPr>
-          <a:xfrm>
-            <a:off x="3240000" y="5166000"/>
-            <a:ext cx="3600000" cy="392400"/>
-          </a:xfrm>
-          <a:prstGeom prst="rect">
-            <a:avLst/>
-          </a:prstGeom>
-          <a:noFill/>
-          <a:ln w="0">
-            <a:noFill/>
-          </a:ln>
-        </p:spPr>
-        <p:txBody>
-          <a:bodyPr lIns="0" rIns="0" tIns="0" bIns="0" anchor="t">
-            <a:noAutofit/>
-          </a:bodyPr>
-          <a:lstStyle>
-            <a:lvl1pPr indent="0" algn="ctr">
-              <a:buNone/>
-              <a:defRPr b="0" lang="en-GB" sz="1400" spc="-1" strike="noStrike">
-                <a:solidFill>
-                  <a:srgbClr val="000000"/>
-                </a:solidFill>
-                <a:latin typeface="Arial"/>
-              </a:defRPr>
-            </a:lvl1pPr>
-          </a:lstStyle>
-          <a:p>
-            <a:pPr indent="0" algn="ctr">
-              <a:buNone/>
-            </a:pPr>
-            <a:r>
-              <a:rPr b="0" lang="en-GB" sz="1400" spc="-1" strike="noStrike">
-                <a:solidFill>
-                  <a:srgbClr val="000000"/>
-                </a:solidFill>
-                <a:latin typeface="Arial"/>
-              </a:rPr>
-              <a:t>&lt;footer&gt;</a:t>
-            </a:r>
-            <a:endParaRPr b="0" lang="en-GB" sz="1400" spc="-1" strike="noStrike">
-              <a:solidFill>
-                <a:srgbClr val="000000"/>
-              </a:solidFill>
-              <a:latin typeface="Arial"/>
-            </a:endParaRPr>
-          </a:p>
-        </p:txBody>
-      </p:sp>
-      <p:sp>
-        <p:nvSpPr>
-          <p:cNvPr id="7" name="PlaceHolder 5"/>
-          <p:cNvSpPr>
-            <a:spLocks noGrp="1"/>
-          </p:cNvSpPr>
-          <p:nvPr>
-            <p:ph type="sldNum" idx="3"/>
-          </p:nvPr>
-        </p:nvSpPr>
-        <p:spPr>
-          <a:xfrm>
-            <a:off x="7020000" y="5166000"/>
-            <a:ext cx="2160000" cy="392400"/>
-          </a:xfrm>
-          <a:prstGeom prst="rect">
-            <a:avLst/>
-          </a:prstGeom>
-          <a:noFill/>
-          <a:ln w="0">
-            <a:noFill/>
-          </a:ln>
-        </p:spPr>
-        <p:txBody>
-          <a:bodyPr lIns="0" rIns="0" tIns="0" bIns="0" anchor="t">
-            <a:noAutofit/>
-          </a:bodyPr>
-          <a:lstStyle>
-            <a:lvl1pPr indent="0" algn="r">
-              <a:buNone/>
-              <a:defRPr b="0" lang="en-GB" sz="1400" spc="-1" strike="noStrike">
-                <a:solidFill>
-                  <a:srgbClr val="000000"/>
-                </a:solidFill>
-                <a:latin typeface="Arial"/>
-              </a:defRPr>
-            </a:lvl1pPr>
-          </a:lstStyle>
-          <a:p>
-            <a:pPr indent="0" algn="r">
-              <a:buNone/>
-            </a:pPr>
-            <a:fld id="{2EF0E7C3-9485-4D05-85F4-E5C3CE746C62}" type="slidenum">
-              <a:rPr b="0" lang="en-GB" sz="1400" spc="-1" strike="noStrike">
-                <a:solidFill>
-                  <a:srgbClr val="000000"/>
-                </a:solidFill>
-                <a:latin typeface="Arial"/>
-              </a:rPr>
-              <a:t>&lt;number&gt;</a:t>
-            </a:fld>
-            <a:endParaRPr b="0" lang="en-GB" sz="1400" spc="-1" strike="noStrike">
-              <a:solidFill>
-                <a:srgbClr val="000000"/>
-              </a:solidFill>
-              <a:latin typeface="Arial"/>
-            </a:endParaRPr>
-          </a:p>
-        </p:txBody>
-      </p:sp>
-      <p:sp>
-        <p:nvSpPr>
-          <p:cNvPr id="8" name=""/>
+              <a:ea typeface="DejaVu Sans"/>
+            </a:endParaRPr>
+          </a:p>
+        </p:txBody>
+      </p:sp>
+      <p:sp>
+        <p:nvSpPr>
+          <p:cNvPr id="3" name=""/>
           <p:cNvSpPr/>
           <p:nvPr/>
         </p:nvSpPr>
         <p:spPr>
           <a:xfrm>
             <a:off x="454320" y="1209600"/>
-            <a:ext cx="9216720" cy="4911480"/>
+            <a:ext cx="9216360" cy="4911120"/>
           </a:xfrm>
           <a:custGeom>
             <a:avLst/>
-            <a:gdLst/>
+            <a:gdLst>
+              <a:gd name="textAreaLeft" fmla="*/ 0 w 9216360"/>
+              <a:gd name="textAreaRight" fmla="*/ 9216720 w 9216360"/>
+              <a:gd name="textAreaTop" fmla="*/ 0 h 4911120"/>
+              <a:gd name="textAreaBottom" fmla="*/ 4911480 h 4911120"/>
+            </a:gdLst>
             <a:ahLst/>
-            <a:rect l="0" t="0" r="r" b="b"/>
+            <a:rect l="textAreaLeft" t="textAreaTop" r="textAreaRight" b="textAreaBottom"/>
             <a:pathLst>
               <a:path w="25602" h="13643">
                 <a:moveTo>
@@ -3619,11 +3188,22 @@
             <a:noFill/>
           </a:ln>
         </p:spPr>
+        <p:style>
+          <a:lnRef idx="0"/>
+          <a:fillRef idx="0"/>
+          <a:effectRef idx="0"/>
+          <a:fontRef idx="minor"/>
+        </p:style>
         <p:txBody>
           <a:bodyPr lIns="90000" rIns="90000" tIns="45000" bIns="45000" anchor="ctr">
             <a:noAutofit/>
           </a:bodyPr>
           <a:p>
+            <a:pPr>
+              <a:lnSpc>
+                <a:spcPct val="100000"/>
+              </a:lnSpc>
+            </a:pPr>
             <a:endParaRPr b="0" lang="en-GB" sz="1800" spc="-1" strike="noStrike">
               <a:solidFill>
                 <a:srgbClr val="000000"/>
@@ -3635,28 +3215,28 @@
       </p:sp>
       <p:grpSp>
         <p:nvGrpSpPr>
-          <p:cNvPr id="9" name=""/>
+          <p:cNvPr id="4" name=""/>
           <p:cNvGrpSpPr/>
           <p:nvPr/>
         </p:nvGrpSpPr>
         <p:grpSpPr>
           <a:xfrm>
             <a:off x="747720" y="866880"/>
-            <a:ext cx="8584560" cy="119880"/>
+            <a:ext cx="8583840" cy="119520"/>
             <a:chOff x="747720" y="866880"/>
-            <a:chExt cx="8584560" cy="119880"/>
+            <a:chExt cx="8583840" cy="119520"/>
           </a:xfrm>
         </p:grpSpPr>
         <p:sp>
           <p:nvSpPr>
-            <p:cNvPr id="10" name=""/>
+            <p:cNvPr id="5" name=""/>
             <p:cNvSpPr/>
             <p:nvPr/>
           </p:nvSpPr>
           <p:spPr>
             <a:xfrm>
               <a:off x="747720" y="866880"/>
-              <a:ext cx="2466000" cy="28800"/>
+              <a:ext cx="2465640" cy="28440"/>
             </a:xfrm>
             <a:prstGeom prst="roundRect">
               <a:avLst>
@@ -3683,25 +3263,31 @@
               <a:noAutofit/>
             </a:bodyPr>
             <a:p>
+              <a:pPr>
+                <a:lnSpc>
+                  <a:spcPct val="100000"/>
+                </a:lnSpc>
+              </a:pPr>
               <a:endParaRPr b="0" lang="en-GB" sz="1800" spc="-1" strike="noStrike">
                 <a:solidFill>
                   <a:srgbClr val="000000"/>
                 </a:solidFill>
                 <a:latin typeface="Arial"/>
+                <a:ea typeface="DejaVu Sans"/>
               </a:endParaRPr>
             </a:p>
           </p:txBody>
         </p:sp>
         <p:sp>
           <p:nvSpPr>
-            <p:cNvPr id="11" name=""/>
+            <p:cNvPr id="6" name=""/>
             <p:cNvSpPr/>
             <p:nvPr/>
           </p:nvSpPr>
           <p:spPr>
             <a:xfrm>
               <a:off x="1005120" y="957960"/>
-              <a:ext cx="2196000" cy="28800"/>
+              <a:ext cx="2195640" cy="28440"/>
             </a:xfrm>
             <a:prstGeom prst="roundRect">
               <a:avLst>
@@ -3728,25 +3314,31 @@
               <a:noAutofit/>
             </a:bodyPr>
             <a:p>
+              <a:pPr>
+                <a:lnSpc>
+                  <a:spcPct val="100000"/>
+                </a:lnSpc>
+              </a:pPr>
               <a:endParaRPr b="0" lang="en-GB" sz="1800" spc="-1" strike="noStrike">
                 <a:solidFill>
                   <a:srgbClr val="000000"/>
                 </a:solidFill>
                 <a:latin typeface="Arial"/>
+                <a:ea typeface="DejaVu Sans"/>
               </a:endParaRPr>
             </a:p>
           </p:txBody>
         </p:sp>
         <p:sp>
           <p:nvSpPr>
-            <p:cNvPr id="12" name=""/>
+            <p:cNvPr id="7" name=""/>
             <p:cNvSpPr/>
             <p:nvPr/>
           </p:nvSpPr>
           <p:spPr>
             <a:xfrm flipH="1">
-              <a:off x="6866280" y="866880"/>
-              <a:ext cx="2466000" cy="28800"/>
+              <a:off x="6865560" y="866880"/>
+              <a:ext cx="2465640" cy="28440"/>
             </a:xfrm>
             <a:prstGeom prst="roundRect">
               <a:avLst>
@@ -3773,25 +3365,31 @@
               <a:noAutofit/>
             </a:bodyPr>
             <a:p>
+              <a:pPr>
+                <a:lnSpc>
+                  <a:spcPct val="100000"/>
+                </a:lnSpc>
+              </a:pPr>
               <a:endParaRPr b="0" lang="en-GB" sz="1800" spc="-1" strike="noStrike">
                 <a:solidFill>
                   <a:srgbClr val="000000"/>
                 </a:solidFill>
                 <a:latin typeface="Arial"/>
+                <a:ea typeface="DejaVu Sans"/>
               </a:endParaRPr>
             </a:p>
           </p:txBody>
         </p:sp>
         <p:sp>
           <p:nvSpPr>
-            <p:cNvPr id="13" name=""/>
+            <p:cNvPr id="8" name=""/>
             <p:cNvSpPr/>
             <p:nvPr/>
           </p:nvSpPr>
           <p:spPr>
             <a:xfrm flipH="1">
-              <a:off x="6878880" y="957960"/>
-              <a:ext cx="2196000" cy="28800"/>
+              <a:off x="6878160" y="957960"/>
+              <a:ext cx="2195640" cy="28440"/>
             </a:xfrm>
             <a:prstGeom prst="roundRect">
               <a:avLst>
@@ -3818,16 +3416,500 @@
               <a:noAutofit/>
             </a:bodyPr>
             <a:p>
+              <a:pPr>
+                <a:lnSpc>
+                  <a:spcPct val="100000"/>
+                </a:lnSpc>
+              </a:pPr>
               <a:endParaRPr b="0" lang="en-GB" sz="1800" spc="-1" strike="noStrike">
                 <a:solidFill>
                   <a:srgbClr val="000000"/>
                 </a:solidFill>
                 <a:latin typeface="Arial"/>
+                <a:ea typeface="DejaVu Sans"/>
               </a:endParaRPr>
             </a:p>
           </p:txBody>
         </p:sp>
       </p:grpSp>
+      <p:sp>
+        <p:nvSpPr>
+          <p:cNvPr id="9" name="PlaceHolder 1"/>
+          <p:cNvSpPr>
+            <a:spLocks noGrp="1"/>
+          </p:cNvSpPr>
+          <p:nvPr>
+            <p:ph type="title"/>
+          </p:nvPr>
+        </p:nvSpPr>
+        <p:spPr>
+          <a:xfrm>
+            <a:off x="3240000" y="450000"/>
+            <a:ext cx="3599640" cy="899640"/>
+          </a:xfrm>
+          <a:prstGeom prst="rect">
+            <a:avLst/>
+          </a:prstGeom>
+          <a:noFill/>
+          <a:ln w="0">
+            <a:noFill/>
+          </a:ln>
+        </p:spPr>
+        <p:txBody>
+          <a:bodyPr lIns="0" rIns="0" tIns="0" bIns="0" anchor="ctr">
+            <a:normAutofit/>
+          </a:bodyPr>
+          <a:p>
+            <a:pPr indent="0">
+              <a:buNone/>
+            </a:pPr>
+            <a:r>
+              <a:rPr b="0" lang="en-GB" sz="1800" spc="-1" strike="noStrike">
+                <a:solidFill>
+                  <a:srgbClr val="000000"/>
+                </a:solidFill>
+                <a:latin typeface="Arial"/>
+              </a:rPr>
+              <a:t>Click to edit the title text format</a:t>
+            </a:r>
+            <a:endParaRPr b="0" lang="en-GB" sz="1800" spc="-1" strike="noStrike">
+              <a:solidFill>
+                <a:srgbClr val="000000"/>
+              </a:solidFill>
+              <a:latin typeface="Arial"/>
+            </a:endParaRPr>
+          </a:p>
+        </p:txBody>
+      </p:sp>
+      <p:sp>
+        <p:nvSpPr>
+          <p:cNvPr id="10" name="PlaceHolder 2"/>
+          <p:cNvSpPr>
+            <a:spLocks noGrp="1"/>
+          </p:cNvSpPr>
+          <p:nvPr>
+            <p:ph type="body"/>
+          </p:nvPr>
+        </p:nvSpPr>
+        <p:spPr>
+          <a:xfrm>
+            <a:off x="900000" y="1440000"/>
+            <a:ext cx="8279640" cy="3599640"/>
+          </a:xfrm>
+          <a:prstGeom prst="rect">
+            <a:avLst/>
+          </a:prstGeom>
+          <a:noFill/>
+          <a:ln w="0">
+            <a:noFill/>
+          </a:ln>
+        </p:spPr>
+        <p:txBody>
+          <a:bodyPr lIns="0" rIns="0" tIns="0" bIns="0" anchor="t">
+            <a:normAutofit/>
+          </a:bodyPr>
+          <a:p>
+            <a:pPr marL="432000" indent="-324000">
+              <a:spcBef>
+                <a:spcPts val="1417"/>
+              </a:spcBef>
+              <a:buClr>
+                <a:srgbClr val="000000"/>
+              </a:buClr>
+              <a:buSzPct val="45000"/>
+              <a:buFont typeface="Wingdings" charset="2"/>
+              <a:buChar char=""/>
+            </a:pPr>
+            <a:r>
+              <a:rPr b="0" lang="en-GB" sz="1800" spc="-1" strike="noStrike">
+                <a:solidFill>
+                  <a:srgbClr val="000000"/>
+                </a:solidFill>
+                <a:latin typeface="Arial"/>
+              </a:rPr>
+              <a:t>Click to edit the outline text format</a:t>
+            </a:r>
+            <a:endParaRPr b="0" lang="en-GB" sz="1800" spc="-1" strike="noStrike">
+              <a:solidFill>
+                <a:srgbClr val="000000"/>
+              </a:solidFill>
+              <a:latin typeface="Arial"/>
+            </a:endParaRPr>
+          </a:p>
+          <a:p>
+            <a:pPr lvl="1" marL="864000" indent="-324000">
+              <a:spcBef>
+                <a:spcPts val="1134"/>
+              </a:spcBef>
+              <a:buClr>
+                <a:srgbClr val="000000"/>
+              </a:buClr>
+              <a:buSzPct val="75000"/>
+              <a:buFont typeface="Symbol" charset="2"/>
+              <a:buChar char=""/>
+            </a:pPr>
+            <a:r>
+              <a:rPr b="0" lang="en-GB" sz="1800" spc="-1" strike="noStrike">
+                <a:solidFill>
+                  <a:srgbClr val="000000"/>
+                </a:solidFill>
+                <a:latin typeface="Arial"/>
+              </a:rPr>
+              <a:t>Second Outline Level</a:t>
+            </a:r>
+            <a:endParaRPr b="0" lang="en-GB" sz="1800" spc="-1" strike="noStrike">
+              <a:solidFill>
+                <a:srgbClr val="000000"/>
+              </a:solidFill>
+              <a:latin typeface="Arial"/>
+            </a:endParaRPr>
+          </a:p>
+          <a:p>
+            <a:pPr lvl="2" marL="1296000" indent="-288000">
+              <a:spcBef>
+                <a:spcPts val="850"/>
+              </a:spcBef>
+              <a:buClr>
+                <a:srgbClr val="000000"/>
+              </a:buClr>
+              <a:buSzPct val="45000"/>
+              <a:buFont typeface="Wingdings" charset="2"/>
+              <a:buChar char=""/>
+            </a:pPr>
+            <a:r>
+              <a:rPr b="0" lang="en-GB" sz="1800" spc="-1" strike="noStrike">
+                <a:solidFill>
+                  <a:srgbClr val="000000"/>
+                </a:solidFill>
+                <a:latin typeface="Arial"/>
+              </a:rPr>
+              <a:t>Third Outline Level</a:t>
+            </a:r>
+            <a:endParaRPr b="0" lang="en-GB" sz="1800" spc="-1" strike="noStrike">
+              <a:solidFill>
+                <a:srgbClr val="000000"/>
+              </a:solidFill>
+              <a:latin typeface="Arial"/>
+            </a:endParaRPr>
+          </a:p>
+          <a:p>
+            <a:pPr lvl="3" marL="1728000" indent="-216000">
+              <a:spcBef>
+                <a:spcPts val="567"/>
+              </a:spcBef>
+              <a:buClr>
+                <a:srgbClr val="000000"/>
+              </a:buClr>
+              <a:buSzPct val="75000"/>
+              <a:buFont typeface="Symbol" charset="2"/>
+              <a:buChar char=""/>
+            </a:pPr>
+            <a:r>
+              <a:rPr b="0" lang="en-GB" sz="1800" spc="-1" strike="noStrike">
+                <a:solidFill>
+                  <a:srgbClr val="000000"/>
+                </a:solidFill>
+                <a:latin typeface="Arial"/>
+              </a:rPr>
+              <a:t>Fourth Outline Level</a:t>
+            </a:r>
+            <a:endParaRPr b="0" lang="en-GB" sz="1800" spc="-1" strike="noStrike">
+              <a:solidFill>
+                <a:srgbClr val="000000"/>
+              </a:solidFill>
+              <a:latin typeface="Arial"/>
+            </a:endParaRPr>
+          </a:p>
+          <a:p>
+            <a:pPr lvl="4" marL="2160000" indent="-216000">
+              <a:spcBef>
+                <a:spcPts val="283"/>
+              </a:spcBef>
+              <a:buClr>
+                <a:srgbClr val="000000"/>
+              </a:buClr>
+              <a:buSzPct val="45000"/>
+              <a:buFont typeface="Wingdings" charset="2"/>
+              <a:buChar char=""/>
+            </a:pPr>
+            <a:r>
+              <a:rPr b="0" lang="en-GB" sz="1800" spc="-1" strike="noStrike">
+                <a:solidFill>
+                  <a:srgbClr val="000000"/>
+                </a:solidFill>
+                <a:latin typeface="Arial"/>
+              </a:rPr>
+              <a:t>Fifth Outline Level</a:t>
+            </a:r>
+            <a:endParaRPr b="0" lang="en-GB" sz="1800" spc="-1" strike="noStrike">
+              <a:solidFill>
+                <a:srgbClr val="000000"/>
+              </a:solidFill>
+              <a:latin typeface="Arial"/>
+            </a:endParaRPr>
+          </a:p>
+          <a:p>
+            <a:pPr lvl="5" marL="2592000" indent="-216000">
+              <a:spcBef>
+                <a:spcPts val="283"/>
+              </a:spcBef>
+              <a:buClr>
+                <a:srgbClr val="000000"/>
+              </a:buClr>
+              <a:buSzPct val="45000"/>
+              <a:buFont typeface="Wingdings" charset="2"/>
+              <a:buChar char=""/>
+            </a:pPr>
+            <a:r>
+              <a:rPr b="0" lang="en-GB" sz="1800" spc="-1" strike="noStrike">
+                <a:solidFill>
+                  <a:srgbClr val="000000"/>
+                </a:solidFill>
+                <a:latin typeface="Arial"/>
+              </a:rPr>
+              <a:t>Sixth Outline Level</a:t>
+            </a:r>
+            <a:endParaRPr b="0" lang="en-GB" sz="1800" spc="-1" strike="noStrike">
+              <a:solidFill>
+                <a:srgbClr val="000000"/>
+              </a:solidFill>
+              <a:latin typeface="Arial"/>
+            </a:endParaRPr>
+          </a:p>
+          <a:p>
+            <a:pPr lvl="6" marL="3024000" indent="-216000">
+              <a:spcBef>
+                <a:spcPts val="283"/>
+              </a:spcBef>
+              <a:buClr>
+                <a:srgbClr val="000000"/>
+              </a:buClr>
+              <a:buSzPct val="45000"/>
+              <a:buFont typeface="Wingdings" charset="2"/>
+              <a:buChar char=""/>
+            </a:pPr>
+            <a:r>
+              <a:rPr b="0" lang="en-GB" sz="1800" spc="-1" strike="noStrike">
+                <a:solidFill>
+                  <a:srgbClr val="000000"/>
+                </a:solidFill>
+                <a:latin typeface="Arial"/>
+              </a:rPr>
+              <a:t>Seventh Outline Level</a:t>
+            </a:r>
+            <a:endParaRPr b="0" lang="en-GB" sz="1800" spc="-1" strike="noStrike">
+              <a:solidFill>
+                <a:srgbClr val="000000"/>
+              </a:solidFill>
+              <a:latin typeface="Arial"/>
+            </a:endParaRPr>
+          </a:p>
+        </p:txBody>
+      </p:sp>
+      <p:sp>
+        <p:nvSpPr>
+          <p:cNvPr id="11" name="PlaceHolder 3"/>
+          <p:cNvSpPr>
+            <a:spLocks noGrp="1"/>
+          </p:cNvSpPr>
+          <p:nvPr>
+            <p:ph type="ftr" idx="1"/>
+          </p:nvPr>
+        </p:nvSpPr>
+        <p:spPr>
+          <a:xfrm>
+            <a:off x="3240000" y="5166000"/>
+            <a:ext cx="3599640" cy="392040"/>
+          </a:xfrm>
+          <a:prstGeom prst="rect">
+            <a:avLst/>
+          </a:prstGeom>
+          <a:noFill/>
+          <a:ln w="0">
+            <a:noFill/>
+          </a:ln>
+        </p:spPr>
+        <p:txBody>
+          <a:bodyPr lIns="0" rIns="0" tIns="0" bIns="0" anchor="t">
+            <a:noAutofit/>
+          </a:bodyPr>
+          <a:lstStyle>
+            <a:lvl1pPr indent="0" algn="ctr">
+              <a:lnSpc>
+                <a:spcPct val="100000"/>
+              </a:lnSpc>
+              <a:buNone/>
+              <a:tabLst>
+                <a:tab algn="l" pos="0"/>
+              </a:tabLst>
+              <a:defRPr b="0" lang="en-GB" sz="1400" spc="-1" strike="noStrike">
+                <a:solidFill>
+                  <a:srgbClr val="000000"/>
+                </a:solidFill>
+                <a:latin typeface="Arial"/>
+              </a:defRPr>
+            </a:lvl1pPr>
+          </a:lstStyle>
+          <a:p>
+            <a:pPr indent="0" algn="ctr">
+              <a:lnSpc>
+                <a:spcPct val="100000"/>
+              </a:lnSpc>
+              <a:buNone/>
+              <a:tabLst>
+                <a:tab algn="l" pos="0"/>
+              </a:tabLst>
+            </a:pPr>
+            <a:r>
+              <a:rPr b="0" lang="en-GB" sz="1400" spc="-1" strike="noStrike">
+                <a:solidFill>
+                  <a:srgbClr val="000000"/>
+                </a:solidFill>
+                <a:latin typeface="Arial"/>
+              </a:rPr>
+              <a:t>&lt;footer&gt;</a:t>
+            </a:r>
+            <a:endParaRPr b="0" lang="en-GB" sz="1400" spc="-1" strike="noStrike">
+              <a:solidFill>
+                <a:srgbClr val="000000"/>
+              </a:solidFill>
+              <a:latin typeface="Times New Roman"/>
+            </a:endParaRPr>
+          </a:p>
+        </p:txBody>
+      </p:sp>
+      <p:sp>
+        <p:nvSpPr>
+          <p:cNvPr id="12" name="PlaceHolder 4"/>
+          <p:cNvSpPr>
+            <a:spLocks noGrp="1"/>
+          </p:cNvSpPr>
+          <p:nvPr>
+            <p:ph type="sldNum" idx="2"/>
+          </p:nvPr>
+        </p:nvSpPr>
+        <p:spPr>
+          <a:xfrm>
+            <a:off x="7020000" y="5166000"/>
+            <a:ext cx="2159640" cy="392040"/>
+          </a:xfrm>
+          <a:prstGeom prst="rect">
+            <a:avLst/>
+          </a:prstGeom>
+          <a:noFill/>
+          <a:ln w="0">
+            <a:noFill/>
+          </a:ln>
+        </p:spPr>
+        <p:txBody>
+          <a:bodyPr lIns="0" rIns="0" tIns="0" bIns="0" anchor="t">
+            <a:noAutofit/>
+          </a:bodyPr>
+          <a:lstStyle>
+            <a:lvl1pPr indent="0" algn="r">
+              <a:lnSpc>
+                <a:spcPct val="100000"/>
+              </a:lnSpc>
+              <a:buNone/>
+              <a:tabLst>
+                <a:tab algn="l" pos="0"/>
+              </a:tabLst>
+              <a:defRPr b="0" lang="en-GB" sz="1400" spc="-1" strike="noStrike">
+                <a:solidFill>
+                  <a:srgbClr val="000000"/>
+                </a:solidFill>
+                <a:latin typeface="Arial"/>
+              </a:defRPr>
+            </a:lvl1pPr>
+          </a:lstStyle>
+          <a:p>
+            <a:pPr indent="0" algn="r">
+              <a:lnSpc>
+                <a:spcPct val="100000"/>
+              </a:lnSpc>
+              <a:buNone/>
+              <a:tabLst>
+                <a:tab algn="l" pos="0"/>
+              </a:tabLst>
+            </a:pPr>
+            <a:fld id="{F00EFE04-FF15-4C95-9B02-4DDA8CAA32F3}" type="slidenum">
+              <a:rPr b="0" lang="en-GB" sz="1400" spc="-1" strike="noStrike">
+                <a:solidFill>
+                  <a:srgbClr val="000000"/>
+                </a:solidFill>
+                <a:latin typeface="Arial"/>
+              </a:rPr>
+              <a:t>&lt;number&gt;</a:t>
+            </a:fld>
+            <a:endParaRPr b="0" lang="en-GB" sz="1400" spc="-1" strike="noStrike">
+              <a:solidFill>
+                <a:srgbClr val="000000"/>
+              </a:solidFill>
+              <a:latin typeface="Times New Roman"/>
+            </a:endParaRPr>
+          </a:p>
+        </p:txBody>
+      </p:sp>
+      <p:sp>
+        <p:nvSpPr>
+          <p:cNvPr id="13" name="PlaceHolder 5"/>
+          <p:cNvSpPr>
+            <a:spLocks noGrp="1"/>
+          </p:cNvSpPr>
+          <p:nvPr>
+            <p:ph type="dt" idx="3"/>
+          </p:nvPr>
+        </p:nvSpPr>
+        <p:spPr>
+          <a:xfrm>
+            <a:off x="900000" y="5166000"/>
+            <a:ext cx="2159640" cy="392040"/>
+          </a:xfrm>
+          <a:prstGeom prst="rect">
+            <a:avLst/>
+          </a:prstGeom>
+          <a:noFill/>
+          <a:ln w="0">
+            <a:noFill/>
+          </a:ln>
+        </p:spPr>
+        <p:txBody>
+          <a:bodyPr lIns="0" rIns="0" tIns="0" bIns="0" anchor="t">
+            <a:noAutofit/>
+          </a:bodyPr>
+          <a:lstStyle>
+            <a:lvl1pPr indent="0">
+              <a:buNone/>
+              <a:defRPr b="0" lang="en-GB" sz="1400" spc="-1" strike="noStrike">
+                <a:solidFill>
+                  <a:srgbClr val="000000"/>
+                </a:solidFill>
+                <a:latin typeface="Times New Roman"/>
+              </a:defRPr>
+            </a:lvl1pPr>
+          </a:lstStyle>
+          <a:p>
+            <a:pPr indent="0">
+              <a:buNone/>
+            </a:pPr>
+            <a:r>
+              <a:rPr b="0" lang="en-GB" sz="1400" spc="-1" strike="noStrike">
+                <a:solidFill>
+                  <a:srgbClr val="000000"/>
+                </a:solidFill>
+                <a:latin typeface="Times New Roman"/>
+              </a:rPr>
+              <a:t>&lt;date/time&gt;</a:t>
+            </a:r>
+            <a:endParaRPr b="0" lang="en-GB" sz="1400" spc="-1" strike="noStrike">
+              <a:solidFill>
+                <a:srgbClr val="000000"/>
+              </a:solidFill>
+              <a:latin typeface="Times New Roman"/>
+            </a:endParaRPr>
+          </a:p>
+        </p:txBody>
+      </p:sp>
     </p:spTree>
   </p:cSld>
   <p:clrMap bg1="lt1" bg2="lt2" tx1="dk1" tx2="dk2" accent1="accent1" accent2="accent2" accent3="accent3" accent4="accent4" accent5="accent5" accent6="accent6" hlink="hlink" folHlink="folHlink"/>
@@ -3878,7 +3960,7 @@
         <p:spPr>
           <a:xfrm>
             <a:off x="3240000" y="450000"/>
-            <a:ext cx="3600000" cy="900000"/>
+            <a:ext cx="3599640" cy="899640"/>
           </a:xfrm>
           <a:prstGeom prst="rect">
             <a:avLst/>
@@ -3894,7 +3976,13 @@
           </a:bodyPr>
           <a:p>
             <a:pPr indent="0" algn="ctr">
+              <a:lnSpc>
+                <a:spcPct val="100000"/>
+              </a:lnSpc>
               <a:buNone/>
+              <a:tabLst>
+                <a:tab algn="l" pos="0"/>
+              </a:tabLst>
             </a:pPr>
             <a:r>
               <a:rPr b="1" lang="en-GB" sz="5000" spc="-1" strike="noStrike">
@@ -3905,9 +3993,9 @@
               </a:rPr>
               <a:t>Zephyr 2.0</a:t>
             </a:r>
-            <a:endParaRPr b="1" lang="en-GB" sz="5000" spc="-1" strike="noStrike">
-              <a:solidFill>
-                <a:srgbClr val="ffffff"/>
+            <a:endParaRPr b="0" lang="en-GB" sz="5000" spc="-1" strike="noStrike">
+              <a:solidFill>
+                <a:srgbClr val="000000"/>
               </a:solidFill>
               <a:latin typeface="Arial"/>
             </a:endParaRPr>
@@ -3921,14 +4009,14 @@
             <a:spLocks noGrp="1"/>
           </p:cNvSpPr>
           <p:nvPr>
-            <p:ph type="sldNum" idx="3"/>
+            <p:ph type="sldNum" idx="2"/>
           </p:nvPr>
         </p:nvSpPr>
         <p:spPr/>
         <p:txBody>
           <a:bodyPr/>
           <a:p>
-            <a:fld id="{B4B64604-13F6-46E9-AF7E-8D77276030F2}" type="slidenum">
+            <a:fld id="{03155F5E-8A03-44B5-BBBA-218A7C4AB94C}" type="slidenum">
               <a:t>1</a:t>
             </a:fld>
           </a:p>
@@ -3952,10 +4040,10 @@
   <a:themeElements>
     <a:clrScheme name="Office">
       <a:dk1>
-        <a:sysClr val="windowText" lastClr="000000"/>
+        <a:srgbClr val="000000"/>
       </a:dk1>
       <a:lt1>
-        <a:sysClr val="window" lastClr="FFFFFF"/>
+        <a:srgbClr val="ffffff"/>
       </a:lt1>
       <a:dk2>
         <a:srgbClr val="1f497d"/>
